--- a/presentationFinal.pptx
+++ b/presentationFinal.pptx
@@ -134,7 +134,7 @@
   </p:defaultTextStyle>
   <p:extLst>
     <p:ext uri="{EFAFB233-063F-42B5-8137-9DF3F51BA10A}">
-      <p15:sldGuideLst xmlns="" xmlns:p15="http://schemas.microsoft.com/office/powerpoint/2012/main">
+      <p15:sldGuideLst xmlns:p15="http://schemas.microsoft.com/office/powerpoint/2012/main" xmlns="">
         <p15:guide id="1" orient="horz" pos="1800">
           <p15:clr>
             <a:srgbClr val="A4A3A4"/>
@@ -148,7 +148,7 @@
       </p15:sldGuideLst>
     </p:ext>
     <p:ext uri="{2D200454-40CA-4A62-9FC3-DE9A4176ACB9}">
-      <p15:notesGuideLst xmlns="" xmlns:p15="http://schemas.microsoft.com/office/powerpoint/2012/main">
+      <p15:notesGuideLst xmlns:p15="http://schemas.microsoft.com/office/powerpoint/2012/main" xmlns="">
         <p15:guide id="1" orient="horz" pos="3125" userDrawn="1">
           <p15:clr>
             <a:srgbClr val="A4A3A4"/>
@@ -170,7 +170,7 @@
   <p:cmAuthor id="1" name="Christophe DEBARRE" initials="CD" lastIdx="1" clrIdx="0">
     <p:extLst>
       <p:ext uri="{19B8F6BF-5375-455C-9EA6-DF929625EA0E}">
-        <p15:presenceInfo xmlns="" xmlns:p15="http://schemas.microsoft.com/office/powerpoint/2012/main" userId="S-1-5-21-891374478-1870800512-441284377-12145" providerId="AD"/>
+        <p15:presenceInfo xmlns:p15="http://schemas.microsoft.com/office/powerpoint/2012/main" xmlns="" userId="S-1-5-21-891374478-1870800512-441284377-12145" providerId="AD"/>
       </p:ext>
     </p:extLst>
   </p:cmAuthor>
@@ -6415,18 +6415,7 @@
                 <a:ea typeface="+mj-ea"/>
                 <a:cs typeface="Segoe UI" pitchFamily="34" charset="0"/>
               </a:rPr>
-              <a:t>Présentation </a:t>
-            </a:r>
-            <a:r>
-              <a:rPr lang="fr-FR" b="1" dirty="0" smtClean="0">
-                <a:solidFill>
-                  <a:srgbClr val="776271"/>
-                </a:solidFill>
-                <a:latin typeface="+mj-lt"/>
-                <a:ea typeface="+mj-ea"/>
-                <a:cs typeface="Segoe UI" pitchFamily="34" charset="0"/>
-              </a:rPr>
-              <a:t>2/3</a:t>
+              <a:t>Présentation 2/3</a:t>
             </a:r>
             <a:endParaRPr lang="fr-FR" b="1" dirty="0">
               <a:solidFill>
@@ -11962,141 +11951,10 @@
           <a:lstStyle/>
           <a:p>
             <a:r>
-              <a:rPr lang="fr-FR" sz="1800" dirty="0" smtClean="0"/>
-              <a:t>Une nouvelle </a:t>
-            </a:r>
-            <a:r>
-              <a:rPr lang="fr-FR" sz="1800" dirty="0"/>
-              <a:t>offre </a:t>
-            </a:r>
-            <a:r>
-              <a:rPr lang="fr-FR" sz="1800" dirty="0" smtClean="0"/>
-              <a:t>modulaire </a:t>
-            </a:r>
-            <a:r>
-              <a:rPr lang="fr-FR" sz="1800" dirty="0"/>
-              <a:t>en mode </a:t>
-            </a:r>
-            <a:r>
-              <a:rPr lang="fr-FR" sz="1800" dirty="0" err="1" smtClean="0"/>
-              <a:t>SaaS</a:t>
-            </a:r>
-            <a:r>
-              <a:rPr lang="fr-FR" sz="1800" dirty="0" smtClean="0"/>
-              <a:t>/on-</a:t>
-            </a:r>
-            <a:r>
-              <a:rPr lang="fr-FR" sz="1800" dirty="0" err="1" smtClean="0"/>
-              <a:t>premise</a:t>
-            </a:r>
-            <a:endParaRPr lang="fr-FR" sz="1800" dirty="0" smtClean="0"/>
-          </a:p>
-          <a:p>
-            <a:pPr lvl="1"/>
-            <a:r>
-              <a:rPr lang="fr-FR" sz="1600" dirty="0" smtClean="0"/>
-              <a:t>ajouter des modules </a:t>
-            </a:r>
-            <a:r>
-              <a:rPr lang="fr-FR" sz="1600" dirty="0"/>
-              <a:t>à la </a:t>
-            </a:r>
-            <a:r>
-              <a:rPr lang="fr-FR" sz="1600" dirty="0" smtClean="0"/>
-              <a:t>demande</a:t>
-            </a:r>
-          </a:p>
-          <a:p>
-            <a:pPr lvl="1"/>
-            <a:r>
-              <a:rPr lang="fr-FR" sz="1600" dirty="0" smtClean="0"/>
-              <a:t>Les modules </a:t>
-            </a:r>
-            <a:r>
-              <a:rPr lang="fr-FR" sz="1600" dirty="0"/>
-              <a:t>peuvent être vendus </a:t>
-            </a:r>
-            <a:r>
-              <a:rPr lang="fr-FR" sz="1600" dirty="0" smtClean="0"/>
-              <a:t>indépendamment</a:t>
-            </a:r>
-          </a:p>
-          <a:p>
-            <a:pPr marL="180000" lvl="1" indent="0">
-              <a:buNone/>
-            </a:pPr>
+              <a:rPr lang="fr-FR" sz="1800" smtClean="0"/>
+              <a:t>XXXXXXXXXXXXXXXXXXXXX</a:t>
+            </a:r>
             <a:endParaRPr lang="fr-FR" sz="1600" dirty="0" smtClean="0"/>
-          </a:p>
-          <a:p>
-            <a:r>
-              <a:rPr lang="fr-FR" sz="1800" dirty="0"/>
-              <a:t>Un module </a:t>
-            </a:r>
-          </a:p>
-          <a:p>
-            <a:pPr lvl="1"/>
-            <a:r>
-              <a:rPr lang="fr-FR" sz="1600" dirty="0"/>
-              <a:t>Fonctionne de façon indépendante des autres modules </a:t>
-            </a:r>
-            <a:endParaRPr lang="fr-FR" sz="1600" dirty="0" smtClean="0"/>
-          </a:p>
-          <a:p>
-            <a:pPr lvl="2"/>
-            <a:r>
-              <a:rPr lang="fr-FR" sz="1400" i="1" dirty="0" err="1" smtClean="0"/>
-              <a:t>Standalone</a:t>
-            </a:r>
-            <a:r>
-              <a:rPr lang="fr-FR" sz="1400" dirty="0" smtClean="0"/>
-              <a:t> : module indépendant avec son IHM</a:t>
-            </a:r>
-            <a:endParaRPr lang="fr-FR" sz="1400" dirty="0"/>
-          </a:p>
-          <a:p>
-            <a:pPr lvl="2"/>
-            <a:r>
-              <a:rPr lang="fr-FR" sz="1400" i="1" dirty="0" smtClean="0"/>
-              <a:t>CRM</a:t>
-            </a:r>
-            <a:r>
-              <a:rPr lang="fr-FR" sz="1400" dirty="0" smtClean="0"/>
-              <a:t>: module qui met en œuvre une API </a:t>
-            </a:r>
-            <a:r>
-              <a:rPr lang="fr-FR" sz="1400" dirty="0" err="1" smtClean="0"/>
-              <a:t>Restful</a:t>
-            </a:r>
-            <a:endParaRPr lang="fr-FR" sz="1400" dirty="0" smtClean="0"/>
-          </a:p>
-          <a:p>
-            <a:pPr marL="360000" lvl="2" indent="0">
-              <a:buNone/>
-            </a:pPr>
-            <a:endParaRPr lang="fr-FR" sz="1100" dirty="0" smtClean="0"/>
-          </a:p>
-          <a:p>
-            <a:pPr lvl="1"/>
-            <a:r>
-              <a:rPr lang="fr-FR" sz="1600" dirty="0" smtClean="0"/>
-              <a:t>S’intègre </a:t>
-            </a:r>
-            <a:r>
-              <a:rPr lang="fr-FR" sz="1600" dirty="0"/>
-              <a:t>facilement dans </a:t>
-            </a:r>
-            <a:r>
-              <a:rPr lang="fr-FR" sz="1600" dirty="0" smtClean="0"/>
-              <a:t>les </a:t>
-            </a:r>
-            <a:r>
-              <a:rPr lang="fr-FR" sz="1600" dirty="0"/>
-              <a:t>système </a:t>
-            </a:r>
-            <a:r>
-              <a:rPr lang="fr-FR" sz="1600" dirty="0" smtClean="0"/>
-              <a:t>d’informations des Clients</a:t>
-            </a:r>
           </a:p>
         </p:txBody>
       </p:sp>
@@ -12384,15 +12242,7 @@
           <a:p>
             <a:r>
               <a:rPr lang="fr-FR" sz="1800" dirty="0" smtClean="0"/>
-              <a:t>Nouvelle </a:t>
-            </a:r>
-            <a:r>
-              <a:rPr lang="fr-FR" sz="1800" dirty="0" smtClean="0"/>
-              <a:t>architecture mise </a:t>
-            </a:r>
-            <a:r>
-              <a:rPr lang="fr-FR" sz="1800" dirty="0" smtClean="0"/>
-              <a:t>en place pour les modules</a:t>
+              <a:t>Nouvelle architecture mise en place pour les modules</a:t>
             </a:r>
           </a:p>
           <a:p>
@@ -12407,13 +12257,8 @@
             </a:r>
             <a:r>
               <a:rPr lang="fr-FR" sz="1600" dirty="0" smtClean="0"/>
-              <a:t> </a:t>
-            </a:r>
-            <a:r>
-              <a:rPr lang="fr-FR" sz="1600" dirty="0" smtClean="0"/>
-              <a:t>Design </a:t>
-            </a:r>
-            <a:endParaRPr lang="fr-FR" sz="1600" dirty="0" smtClean="0"/>
+              <a:t> Design </a:t>
+            </a:r>
           </a:p>
           <a:p>
             <a:pPr lvl="2"/>
@@ -12466,13 +12311,8 @@
             </a:r>
             <a:r>
               <a:rPr lang="fr-FR" sz="1400" i="1" dirty="0" smtClean="0"/>
-              <a:t> L</a:t>
-            </a:r>
-            <a:r>
-              <a:rPr lang="fr-FR" sz="1400" i="1" dirty="0" smtClean="0"/>
-              <a:t>angage </a:t>
-            </a:r>
-            <a:endParaRPr lang="fr-FR" sz="1400" i="1" dirty="0" smtClean="0"/>
+              <a:t> Langage </a:t>
+            </a:r>
           </a:p>
           <a:p>
             <a:pPr lvl="2"/>
@@ -12497,13 +12337,8 @@
             <a:pPr lvl="3"/>
             <a:r>
               <a:rPr lang="fr-FR" sz="1200" dirty="0" smtClean="0"/>
-              <a:t>Application, Domain, Infrastructure, Présentation(IHM</a:t>
-            </a:r>
-            <a:r>
-              <a:rPr lang="fr-FR" sz="1200" dirty="0" smtClean="0"/>
-              <a:t>) </a:t>
-            </a:r>
-            <a:endParaRPr lang="fr-FR" sz="1200" dirty="0" smtClean="0"/>
+              <a:t>Application, Domain, Infrastructure, Présentation(IHM) </a:t>
+            </a:r>
           </a:p>
           <a:p>
             <a:pPr marL="540000" lvl="3" indent="0">
@@ -12538,11 +12373,7 @@
             <a:pPr lvl="2"/>
             <a:r>
               <a:rPr lang="fr-FR" sz="1400" dirty="0" smtClean="0"/>
-              <a:t>Ce modèle </a:t>
-            </a:r>
-            <a:r>
-              <a:rPr lang="fr-FR" sz="1400" dirty="0" smtClean="0"/>
-              <a:t>d’architecture système sépare  </a:t>
+              <a:t>Ce modèle d’architecture système sépare  </a:t>
             </a:r>
           </a:p>
           <a:p>
@@ -12576,15 +12407,7 @@
             </a:r>
             <a:r>
               <a:rPr lang="fr-FR" sz="1200" dirty="0" smtClean="0"/>
-              <a:t>criture et </a:t>
-            </a:r>
-            <a:r>
-              <a:rPr lang="fr-FR" sz="1200" dirty="0" smtClean="0"/>
-              <a:t>modification des données </a:t>
-            </a:r>
-            <a:r>
-              <a:rPr lang="fr-FR" sz="1200" dirty="0" smtClean="0"/>
-              <a:t>« command »</a:t>
+              <a:t>criture et modification des données « command »</a:t>
             </a:r>
           </a:p>
           <a:p>
@@ -16726,11 +16549,7 @@
             </a:r>
             <a:r>
               <a:rPr lang="fr-FR" dirty="0" smtClean="0"/>
-              <a:t> </a:t>
-            </a:r>
-            <a:r>
-              <a:rPr lang="fr-FR" dirty="0" smtClean="0"/>
-              <a:t>en tant qu’API </a:t>
+              <a:t> en tant qu’API </a:t>
             </a:r>
             <a:r>
               <a:rPr lang="fr-FR" dirty="0" err="1" smtClean="0"/>
@@ -17505,38 +17324,8 @@
                 <a:ea typeface="+mj-ea"/>
                 <a:cs typeface="Segoe UI" pitchFamily="34" charset="0"/>
               </a:rPr>
-              <a:t> </a:t>
-            </a:r>
-            <a:r>
-              <a:rPr lang="fr-FR" b="1" dirty="0" smtClean="0">
-                <a:solidFill>
-                  <a:schemeClr val="bg1"/>
-                </a:solidFill>
-                <a:latin typeface="+mj-lt"/>
-                <a:ea typeface="+mj-ea"/>
-                <a:cs typeface="Segoe UI" pitchFamily="34" charset="0"/>
-              </a:rPr>
-              <a:t>et </a:t>
-            </a:r>
-            <a:r>
-              <a:rPr lang="fr-FR" b="1" dirty="0" smtClean="0">
-                <a:solidFill>
-                  <a:schemeClr val="bg1"/>
-                </a:solidFill>
-                <a:latin typeface="+mj-lt"/>
-                <a:ea typeface="+mj-ea"/>
-                <a:cs typeface="Segoe UI" pitchFamily="34" charset="0"/>
-              </a:rPr>
-              <a:t>Social</a:t>
-            </a:r>
-            <a:endParaRPr lang="fr-FR" b="1" dirty="0" smtClean="0">
-              <a:solidFill>
-                <a:schemeClr val="bg1"/>
-              </a:solidFill>
-              <a:latin typeface="+mj-lt"/>
-              <a:ea typeface="+mj-ea"/>
-              <a:cs typeface="Segoe UI" pitchFamily="34" charset="0"/>
-            </a:endParaRPr>
+              <a:t> et Social</a:t>
+            </a:r>
           </a:p>
         </p:txBody>
       </p:sp>
@@ -17722,11 +17511,7 @@
             </a:r>
             <a:r>
               <a:rPr lang="fr-FR" b="1" dirty="0"/>
-              <a:t>hoix </a:t>
-            </a:r>
-            <a:r>
-              <a:rPr lang="fr-FR" b="1" dirty="0"/>
-              <a:t>s</a:t>
+              <a:t>hoix s</a:t>
             </a:r>
             <a:r>
               <a:rPr lang="fr-FR" b="1" dirty="0" smtClean="0"/>
@@ -17819,15 +17604,7 @@
             <a:pPr lvl="1"/>
             <a:r>
               <a:rPr lang="fr-FR" dirty="0" smtClean="0"/>
-              <a:t>Création des services </a:t>
-            </a:r>
-            <a:r>
-              <a:rPr lang="fr-FR" dirty="0" smtClean="0"/>
-              <a:t>applicatifs </a:t>
-            </a:r>
-            <a:r>
-              <a:rPr lang="fr-FR" dirty="0" smtClean="0"/>
-              <a:t>avec les </a:t>
+              <a:t>Création des services applicatifs avec les </a:t>
             </a:r>
             <a:r>
               <a:rPr lang="fr-FR" dirty="0" err="1"/>
@@ -17870,19 +17647,7 @@
             <a:pPr lvl="1"/>
             <a:r>
               <a:rPr lang="fr-FR" dirty="0" smtClean="0"/>
-              <a:t>Ajout de la </a:t>
-            </a:r>
-            <a:r>
-              <a:rPr lang="fr-FR" dirty="0" smtClean="0"/>
-              <a:t>gestion </a:t>
-            </a:r>
-            <a:r>
-              <a:rPr lang="fr-FR" dirty="0" smtClean="0"/>
-              <a:t>d’historique </a:t>
-            </a:r>
-            <a:r>
-              <a:rPr lang="fr-FR" dirty="0" smtClean="0"/>
-              <a:t>des </a:t>
+              <a:t>Ajout de la gestion d’historique des </a:t>
             </a:r>
             <a:r>
               <a:rPr lang="fr-FR" dirty="0"/>
@@ -17913,15 +17678,7 @@
             <a:pPr lvl="1"/>
             <a:r>
               <a:rPr lang="fr-FR" dirty="0" smtClean="0"/>
-              <a:t>Création </a:t>
-            </a:r>
-            <a:r>
-              <a:rPr lang="fr-FR" dirty="0" smtClean="0"/>
-              <a:t>de différents types des </a:t>
-            </a:r>
-            <a:r>
-              <a:rPr lang="fr-FR" dirty="0" smtClean="0"/>
-              <a:t>job</a:t>
+              <a:t>Création de différents types des job</a:t>
             </a:r>
           </a:p>
           <a:p>
@@ -18510,29 +18267,17 @@
             <a:pPr lvl="1"/>
             <a:r>
               <a:rPr lang="fr-FR" sz="1600" dirty="0" smtClean="0"/>
-              <a:t>Mise en place des services dans la couche Application </a:t>
-            </a:r>
-            <a:r>
-              <a:rPr lang="fr-FR" sz="1600" dirty="0" smtClean="0"/>
-              <a:t>pour les</a:t>
+              <a:t>Mise en place des services dans la couche Application pour les tests du </a:t>
+            </a:r>
+            <a:r>
+              <a:rPr lang="fr-FR" sz="1600" dirty="0" err="1" smtClean="0"/>
+              <a:t>Text</a:t>
             </a:r>
             <a:r>
               <a:rPr lang="fr-FR" sz="1600" dirty="0" smtClean="0"/>
               <a:t> </a:t>
             </a:r>
             <a:r>
-              <a:rPr lang="fr-FR" sz="1600" dirty="0" smtClean="0"/>
-              <a:t>tests du </a:t>
-            </a:r>
-            <a:r>
-              <a:rPr lang="fr-FR" sz="1600" dirty="0" err="1" smtClean="0"/>
-              <a:t>Text</a:t>
-            </a:r>
-            <a:r>
-              <a:rPr lang="fr-FR" sz="1600" dirty="0" smtClean="0"/>
-              <a:t> </a:t>
-            </a:r>
-            <a:r>
               <a:rPr lang="fr-FR" sz="1600" dirty="0" err="1" smtClean="0"/>
               <a:t>Mining</a:t>
             </a:r>
@@ -18546,13 +18291,8 @@
             <a:pPr lvl="1"/>
             <a:r>
               <a:rPr lang="fr-FR" sz="1600" dirty="0" smtClean="0"/>
-              <a:t>Intégration </a:t>
-            </a:r>
-            <a:r>
-              <a:rPr lang="fr-FR" sz="1600" dirty="0" smtClean="0"/>
-              <a:t>de l’existant du connecteur social CRM </a:t>
-            </a:r>
-            <a:endParaRPr lang="fr-FR" sz="1600" dirty="0" smtClean="0"/>
+              <a:t>Intégration de l’existant du connecteur social CRM </a:t>
+            </a:r>
           </a:p>
           <a:p>
             <a:pPr lvl="2"/>
@@ -18577,15 +18317,7 @@
             </a:r>
             <a:r>
               <a:rPr lang="fr-FR" sz="1400" dirty="0" smtClean="0"/>
-              <a:t> </a:t>
-            </a:r>
-            <a:r>
-              <a:rPr lang="fr-FR" sz="1400" dirty="0" smtClean="0"/>
-              <a:t>public </a:t>
-            </a:r>
-            <a:r>
-              <a:rPr lang="fr-FR" sz="1400" dirty="0" smtClean="0"/>
-              <a:t>de la base de données </a:t>
+              <a:t> public de la base de données </a:t>
             </a:r>
           </a:p>
           <a:p>
@@ -18621,19 +18353,7 @@
             <a:pPr lvl="1"/>
             <a:r>
               <a:rPr lang="fr-FR" sz="1600" dirty="0" smtClean="0"/>
-              <a:t>Ajout du </a:t>
-            </a:r>
-            <a:r>
-              <a:rPr lang="fr-FR" sz="1600" dirty="0" smtClean="0"/>
-              <a:t>traitement de mise à jour de DB dans un </a:t>
-            </a:r>
-            <a:r>
-              <a:rPr lang="fr-FR" sz="1600" dirty="0" smtClean="0"/>
-              <a:t>tâche </a:t>
-            </a:r>
-            <a:r>
-              <a:rPr lang="fr-FR" sz="1600" dirty="0" smtClean="0"/>
-              <a:t>dans le module </a:t>
+              <a:t>Ajout du traitement de mise à jour de DB dans un tâche dans le module </a:t>
             </a:r>
             <a:r>
               <a:rPr lang="fr-FR" sz="1600" dirty="0" err="1"/>
@@ -18766,18 +18486,7 @@
                 <a:ea typeface="+mj-ea"/>
                 <a:cs typeface="Segoe UI" pitchFamily="34" charset="0"/>
               </a:rPr>
-              <a:t>de </a:t>
-            </a:r>
-            <a:r>
-              <a:rPr lang="fr-FR" b="1" dirty="0" smtClean="0">
-                <a:solidFill>
-                  <a:srgbClr val="776271"/>
-                </a:solidFill>
-                <a:latin typeface="+mj-lt"/>
-                <a:ea typeface="+mj-ea"/>
-                <a:cs typeface="Segoe UI" pitchFamily="34" charset="0"/>
-              </a:rPr>
-              <a:t>SPAD 1/3</a:t>
+              <a:t>de SPAD 1/3</a:t>
             </a:r>
             <a:endParaRPr lang="fr-FR" b="1" dirty="0">
               <a:solidFill>
@@ -18990,11 +18699,7 @@
             </a:r>
             <a:r>
               <a:rPr lang="fr-FR" dirty="0" smtClean="0"/>
-              <a:t> (</a:t>
-            </a:r>
-            <a:r>
-              <a:rPr lang="fr-FR" dirty="0" smtClean="0"/>
-              <a:t>Algorithme </a:t>
+              <a:t> (Algorithme </a:t>
             </a:r>
             <a:r>
               <a:rPr lang="fr-FR" dirty="0" err="1" smtClean="0"/>
@@ -19004,21 +18709,12 @@
               <a:rPr lang="fr-FR" dirty="0" smtClean="0"/>
               <a:t>)</a:t>
             </a:r>
-            <a:endParaRPr lang="fr-FR" dirty="0" smtClean="0"/>
           </a:p>
           <a:p>
             <a:pPr lvl="1"/>
             <a:r>
               <a:rPr lang="fr-FR" dirty="0" smtClean="0"/>
-              <a:t>Ajouter </a:t>
-            </a:r>
-            <a:r>
-              <a:rPr lang="fr-FR" dirty="0" smtClean="0"/>
-              <a:t>du </a:t>
-            </a:r>
-            <a:r>
-              <a:rPr lang="fr-FR" dirty="0" smtClean="0"/>
-              <a:t>model </a:t>
+              <a:t>Ajouter du model </a:t>
             </a:r>
             <a:r>
               <a:rPr lang="fr-FR" dirty="0" err="1" smtClean="0"/>
@@ -19026,46 +18722,22 @@
             </a:r>
             <a:r>
               <a:rPr lang="fr-FR" dirty="0" smtClean="0"/>
-              <a:t> Motif métier qui qualifie </a:t>
+              <a:t> Motif métier qui qualifie les </a:t>
+            </a:r>
+            <a:r>
+              <a:rPr lang="fr-FR" dirty="0" err="1" smtClean="0"/>
+              <a:t>Posts</a:t>
             </a:r>
             <a:r>
               <a:rPr lang="fr-FR" dirty="0" smtClean="0"/>
-              <a:t>les </a:t>
-            </a:r>
-            <a:r>
-              <a:rPr lang="fr-FR" dirty="0" err="1" smtClean="0"/>
-              <a:t>P</a:t>
-            </a:r>
-            <a:r>
-              <a:rPr lang="fr-FR" dirty="0" err="1" smtClean="0"/>
-              <a:t>osts</a:t>
-            </a:r>
+              <a:t> : Demande, Opportunité, Intervention, Lead </a:t>
+            </a:r>
+          </a:p>
+          <a:p>
+            <a:pPr lvl="1"/>
             <a:r>
               <a:rPr lang="fr-FR" dirty="0" smtClean="0"/>
-              <a:t> </a:t>
-            </a:r>
-            <a:r>
-              <a:rPr lang="fr-FR" dirty="0" smtClean="0"/>
-              <a:t>: Demande, Opportunité, Intervention, Lead </a:t>
-            </a:r>
-          </a:p>
-          <a:p>
-            <a:pPr lvl="1"/>
-            <a:r>
-              <a:rPr lang="fr-FR" dirty="0" smtClean="0"/>
-              <a:t>Ajout </a:t>
-            </a:r>
-            <a:r>
-              <a:rPr lang="fr-FR" dirty="0" smtClean="0"/>
-              <a:t>d</a:t>
-            </a:r>
-            <a:r>
-              <a:rPr lang="fr-FR" dirty="0" smtClean="0"/>
-              <a:t>es </a:t>
-            </a:r>
-            <a:r>
-              <a:rPr lang="fr-FR" dirty="0" smtClean="0"/>
-              <a:t>interfaces d’appels aux </a:t>
+              <a:t>Ajout des interfaces d’appels aux </a:t>
             </a:r>
             <a:r>
               <a:rPr lang="fr-FR" dirty="0" err="1" smtClean="0"/>
@@ -19073,23 +18745,7 @@
             </a:r>
             <a:r>
               <a:rPr lang="fr-FR" dirty="0" smtClean="0"/>
-              <a:t> REST </a:t>
-            </a:r>
-            <a:r>
-              <a:rPr lang="fr-FR" dirty="0" smtClean="0"/>
-              <a:t>de </a:t>
-            </a:r>
-            <a:r>
-              <a:rPr lang="fr-FR" dirty="0" smtClean="0"/>
-              <a:t>SPAD </a:t>
-            </a:r>
-            <a:r>
-              <a:rPr lang="fr-FR" dirty="0" smtClean="0"/>
-              <a:t>Real </a:t>
-            </a:r>
-            <a:r>
-              <a:rPr lang="fr-FR" dirty="0" smtClean="0"/>
-              <a:t>Time </a:t>
+              <a:t> REST de SPAD Real Time </a:t>
             </a:r>
           </a:p>
           <a:p>
@@ -19961,11 +19617,7 @@
             </a:pPr>
             <a:r>
               <a:rPr lang="fr-FR" sz="2000" dirty="0" smtClean="0"/>
-              <a:t>Présentation </a:t>
-            </a:r>
-            <a:r>
-              <a:rPr lang="fr-FR" sz="2000" dirty="0" smtClean="0"/>
-              <a:t>de </a:t>
+              <a:t>Présentation de </a:t>
             </a:r>
             <a:r>
               <a:rPr lang="fr-FR" sz="2000" dirty="0" err="1"/>
@@ -20017,7 +19669,6 @@
               <a:rPr lang="fr-FR" sz="2000" dirty="0" smtClean="0"/>
               <a:t>Bilan</a:t>
             </a:r>
-            <a:endParaRPr lang="fr-FR" sz="2000" dirty="0" smtClean="0"/>
           </a:p>
         </p:txBody>
       </p:sp>
@@ -20508,21 +20159,8 @@
             </a:r>
             <a:r>
               <a:rPr lang="fr-FR" sz="1600" dirty="0" smtClean="0"/>
-              <a:t> Bean </a:t>
-            </a:r>
-            <a:r>
-              <a:rPr lang="fr-FR" sz="1600" dirty="0" smtClean="0"/>
-              <a:t>associés </a:t>
-            </a:r>
-            <a:r>
-              <a:rPr lang="fr-FR" sz="1600" dirty="0" smtClean="0"/>
-              <a:t>dans la couche </a:t>
-            </a:r>
-            <a:r>
-              <a:rPr lang="fr-FR" sz="1600" dirty="0" smtClean="0"/>
-              <a:t>GUI</a:t>
-            </a:r>
-            <a:endParaRPr lang="fr-FR" sz="1600" dirty="0" smtClean="0"/>
+              <a:t> Bean associés dans la couche GUI</a:t>
+            </a:r>
           </a:p>
           <a:p>
             <a:pPr lvl="2"/>
@@ -20544,13 +20182,8 @@
             <a:pPr lvl="2"/>
             <a:r>
               <a:rPr lang="fr-FR" sz="1400" dirty="0" smtClean="0"/>
-              <a:t>Gestionnaire des </a:t>
-            </a:r>
-            <a:r>
-              <a:rPr lang="fr-FR" sz="1400" dirty="0" smtClean="0"/>
-              <a:t>tâches </a:t>
-            </a:r>
-            <a:endParaRPr lang="fr-FR" sz="1400" dirty="0" smtClean="0"/>
+              <a:t>Gestionnaire des tâches </a:t>
+            </a:r>
           </a:p>
           <a:p>
             <a:pPr lvl="3"/>
@@ -20595,13 +20228,8 @@
             <a:pPr lvl="2"/>
             <a:r>
               <a:rPr lang="fr-FR" sz="1400" dirty="0" smtClean="0"/>
-              <a:t>Gestionnaire des </a:t>
-            </a:r>
-            <a:r>
-              <a:rPr lang="fr-FR" sz="1400" dirty="0" smtClean="0"/>
-              <a:t>traitements</a:t>
-            </a:r>
-            <a:endParaRPr lang="fr-FR" sz="1400" dirty="0" smtClean="0"/>
+              <a:t>Gestionnaire des traitements</a:t>
+            </a:r>
           </a:p>
           <a:p>
             <a:pPr lvl="3"/>
@@ -20905,25 +20533,15 @@
           <a:p>
             <a:r>
               <a:rPr lang="fr-FR" sz="2000" dirty="0" smtClean="0"/>
-              <a:t>Prototype d’IHM du module </a:t>
-            </a:r>
-            <a:r>
-              <a:rPr lang="fr-FR" sz="2000" dirty="0" smtClean="0"/>
-              <a:t>Social</a:t>
-            </a:r>
-            <a:endParaRPr lang="fr-FR" sz="2000" dirty="0" smtClean="0"/>
+              <a:t>Prototype d’IHM du module Social</a:t>
+            </a:r>
           </a:p>
           <a:p>
             <a:pPr lvl="1"/>
             <a:r>
               <a:rPr lang="fr-FR" sz="1800" dirty="0" smtClean="0"/>
-              <a:t>Création de la </a:t>
-            </a:r>
-            <a:r>
-              <a:rPr lang="fr-FR" sz="1800" dirty="0" smtClean="0"/>
-              <a:t>maquette</a:t>
-            </a:r>
-            <a:endParaRPr lang="fr-FR" sz="1800" dirty="0" smtClean="0"/>
+              <a:t>Création de la maquette</a:t>
+            </a:r>
           </a:p>
           <a:p>
             <a:pPr lvl="1"/>
@@ -20941,35 +20559,14 @@
             </a:r>
             <a:r>
               <a:rPr lang="fr-FR" sz="1800" dirty="0" smtClean="0"/>
-              <a:t> Bean </a:t>
-            </a:r>
-            <a:r>
-              <a:rPr lang="fr-FR" sz="1800" dirty="0" smtClean="0"/>
-              <a:t>associés </a:t>
-            </a:r>
-            <a:r>
-              <a:rPr lang="fr-FR" sz="1800" dirty="0" smtClean="0"/>
-              <a:t>dans la couche </a:t>
-            </a:r>
-            <a:r>
-              <a:rPr lang="fr-FR" sz="1800" dirty="0" smtClean="0"/>
-              <a:t>GUI</a:t>
-            </a:r>
-            <a:endParaRPr lang="fr-FR" sz="1800" dirty="0" smtClean="0"/>
+              <a:t> Bean associés dans la couche GUI</a:t>
+            </a:r>
           </a:p>
           <a:p>
             <a:pPr lvl="2"/>
             <a:r>
               <a:rPr lang="fr-FR" sz="1600" dirty="0" smtClean="0"/>
-              <a:t>Tableau de Bord </a:t>
-            </a:r>
-            <a:r>
-              <a:rPr lang="fr-FR" sz="1600" dirty="0" smtClean="0"/>
-              <a:t>des </a:t>
-            </a:r>
-            <a:r>
-              <a:rPr lang="fr-FR" sz="1600" dirty="0" smtClean="0"/>
-              <a:t>commentaires et des </a:t>
+              <a:t>Tableau de Bord des commentaires et des </a:t>
             </a:r>
             <a:r>
               <a:rPr lang="fr-FR" sz="1600" dirty="0" err="1" smtClean="0"/>
@@ -20984,15 +20581,7 @@
             <a:pPr lvl="3"/>
             <a:r>
               <a:rPr lang="fr-FR" sz="1400" dirty="0" smtClean="0"/>
-              <a:t>Affichage des </a:t>
-            </a:r>
-            <a:r>
-              <a:rPr lang="fr-FR" sz="1400" dirty="0" smtClean="0"/>
-              <a:t>pré-qualifications de </a:t>
-            </a:r>
-            <a:r>
-              <a:rPr lang="fr-FR" sz="1400" dirty="0" smtClean="0"/>
-              <a:t>SPAD Real Time</a:t>
+              <a:t>Affichage des pré-qualifications de SPAD Real Time</a:t>
             </a:r>
           </a:p>
           <a:p>
@@ -21576,7 +21165,6 @@
               <a:rPr lang="fr-FR" dirty="0" smtClean="0"/>
               <a:t>d’étude</a:t>
             </a:r>
-            <a:endParaRPr lang="fr-FR" dirty="0" smtClean="0"/>
           </a:p>
           <a:p>
             <a:pPr lvl="1"/>
@@ -21596,11 +21184,7 @@
             <a:pPr lvl="1"/>
             <a:r>
               <a:rPr lang="fr-FR" dirty="0" smtClean="0"/>
-              <a:t>Communication avec </a:t>
-            </a:r>
-            <a:r>
-              <a:rPr lang="fr-FR" dirty="0" smtClean="0"/>
-              <a:t>d’autres collaborateurs</a:t>
+              <a:t>Communication avec d’autres collaborateurs</a:t>
             </a:r>
             <a:endParaRPr lang="fr-FR" dirty="0"/>
           </a:p>
@@ -21892,34 +21476,16 @@
               <a:rPr lang="fr-FR" dirty="0" smtClean="0">
                 <a:latin typeface="Tahoma" pitchFamily="34" charset="0"/>
               </a:rPr>
-              <a:t>es premiers modules </a:t>
-            </a:r>
+              <a:t>es premiers modules basés sur l’architecture DDD et CQRS</a:t>
+            </a:r>
+          </a:p>
+          <a:p>
+            <a:pPr lvl="1"/>
             <a:r>
               <a:rPr lang="fr-FR" dirty="0" smtClean="0">
                 <a:latin typeface="Tahoma" pitchFamily="34" charset="0"/>
               </a:rPr>
-              <a:t>basés </a:t>
-            </a:r>
-            <a:r>
-              <a:rPr lang="fr-FR" dirty="0" smtClean="0">
-                <a:latin typeface="Tahoma" pitchFamily="34" charset="0"/>
-              </a:rPr>
-              <a:t>sur l’architecture DDD et CQRS</a:t>
-            </a:r>
-          </a:p>
-          <a:p>
-            <a:pPr lvl="1"/>
-            <a:r>
-              <a:rPr lang="fr-FR" dirty="0" smtClean="0">
-                <a:latin typeface="Tahoma" pitchFamily="34" charset="0"/>
-              </a:rPr>
-              <a:t>Intégration </a:t>
-            </a:r>
-            <a:r>
-              <a:rPr lang="fr-FR" dirty="0" smtClean="0">
-                <a:latin typeface="Tahoma" pitchFamily="34" charset="0"/>
-              </a:rPr>
-              <a:t>du </a:t>
+              <a:t>Intégration du </a:t>
             </a:r>
             <a:r>
               <a:rPr lang="fr-FR" dirty="0" err="1" smtClean="0">
@@ -21943,17 +21509,8 @@
               <a:rPr lang="fr-FR" dirty="0" smtClean="0">
                 <a:latin typeface="Tahoma" pitchFamily="34" charset="0"/>
               </a:rPr>
-              <a:t> dans le module </a:t>
-            </a:r>
-            <a:r>
-              <a:rPr lang="fr-FR" dirty="0" smtClean="0">
-                <a:latin typeface="Tahoma" pitchFamily="34" charset="0"/>
-              </a:rPr>
-              <a:t>Social</a:t>
-            </a:r>
-            <a:endParaRPr lang="fr-FR" dirty="0" smtClean="0">
-              <a:latin typeface="Tahoma" pitchFamily="34" charset="0"/>
-            </a:endParaRPr>
+              <a:t> dans le module Social</a:t>
+            </a:r>
           </a:p>
           <a:p>
             <a:pPr lvl="2"/>
@@ -22952,15 +22509,7 @@
             <a:pPr lvl="1"/>
             <a:r>
               <a:rPr lang="fr-FR" sz="1600" dirty="0" smtClean="0"/>
-              <a:t>Pilotage des </a:t>
-            </a:r>
-            <a:r>
-              <a:rPr lang="fr-FR" sz="1600" dirty="0" smtClean="0"/>
-              <a:t>campagnes </a:t>
-            </a:r>
-            <a:r>
-              <a:rPr lang="fr-FR" sz="1600" dirty="0" smtClean="0"/>
-              <a:t>de marketing</a:t>
+              <a:t>Pilotage des campagnes de marketing</a:t>
             </a:r>
           </a:p>
           <a:p>
@@ -23590,11 +23139,7 @@
             </a:r>
             <a:r>
               <a:rPr lang="fr-FR" sz="1600" dirty="0" smtClean="0"/>
-              <a:t>bjectifs : </a:t>
-            </a:r>
-            <a:r>
-              <a:rPr lang="fr-FR" sz="1600" dirty="0" smtClean="0"/>
-              <a:t>évolution </a:t>
+              <a:t>bjectifs : évolution </a:t>
             </a:r>
             <a:r>
               <a:rPr lang="fr-FR" sz="1600" dirty="0" err="1" smtClean="0"/>
@@ -23609,15 +23154,7 @@
             <a:pPr lvl="2"/>
             <a:r>
               <a:rPr lang="fr-FR" sz="1400" dirty="0" smtClean="0"/>
-              <a:t>2 à 3 release </a:t>
-            </a:r>
-            <a:r>
-              <a:rPr lang="fr-FR" sz="1400" dirty="0" smtClean="0"/>
-              <a:t>évolutives </a:t>
-            </a:r>
-            <a:r>
-              <a:rPr lang="fr-FR" sz="1400" dirty="0" smtClean="0"/>
-              <a:t>par an</a:t>
+              <a:t>2 à 3 release évolutives par an</a:t>
             </a:r>
           </a:p>
           <a:p>
@@ -23646,11 +23183,7 @@
             </a:r>
             <a:r>
               <a:rPr lang="fr-FR" dirty="0" smtClean="0"/>
-              <a:t> </a:t>
-            </a:r>
-            <a:r>
-              <a:rPr lang="fr-FR" dirty="0" smtClean="0"/>
-              <a:t>depuis Mai 2015</a:t>
+              <a:t> depuis Mai 2015</a:t>
             </a:r>
             <a:endParaRPr lang="fr-FR" dirty="0"/>
           </a:p>
@@ -24234,18 +23767,7 @@
                 <a:ea typeface="+mj-ea"/>
                 <a:cs typeface="Segoe UI" pitchFamily="34" charset="0"/>
               </a:rPr>
-              <a:t>Présentation </a:t>
-            </a:r>
-            <a:r>
-              <a:rPr lang="fr-FR" b="1" dirty="0" smtClean="0">
-                <a:solidFill>
-                  <a:srgbClr val="776271"/>
-                </a:solidFill>
-                <a:latin typeface="+mj-lt"/>
-                <a:ea typeface="+mj-ea"/>
-                <a:cs typeface="Segoe UI" pitchFamily="34" charset="0"/>
-              </a:rPr>
-              <a:t>1/3</a:t>
+              <a:t>Présentation 1/3</a:t>
             </a:r>
             <a:endParaRPr lang="fr-FR" b="1" dirty="0">
               <a:solidFill>
@@ -24539,7 +24061,7 @@
   <a:extraClrSchemeLst/>
   <a:extLst>
     <a:ext uri="{05A4C25C-085E-4340-85A3-A5531E510DB2}">
-      <thm15:themeFamily xmlns="" xmlns:thm15="http://schemas.microsoft.com/office/thememl/2012/main" name="coheris 2014" id="{A4A5088C-201A-4D0A-96CF-EE6E1307DAA7}" vid="{05A6D5B5-0C8E-42B6-B577-3B5EAF4DA472}"/>
+      <thm15:themeFamily xmlns:thm15="http://schemas.microsoft.com/office/thememl/2012/main" xmlns="" name="coheris 2014" id="{A4A5088C-201A-4D0A-96CF-EE6E1307DAA7}" vid="{05A6D5B5-0C8E-42B6-B577-3B5EAF4DA472}"/>
     </a:ext>
   </a:extLst>
 </a:theme>
